--- a/Documentation/Scabi.pptx
+++ b/Documentation/Scabi.pptx
@@ -262,7 +262,7 @@
             <a:fld id="{46F27CC9-1F4A-49A1-B5AA-9B12D533606B}" type="datetimeFigureOut">
               <a:rPr lang="en-US" smtClean="0"/>
               <a:pPr/>
-              <a:t>7/5/2016</a:t>
+              <a:t>7/15/2016</a:t>
             </a:fld>
             <a:endParaRPr lang="en-IN"/>
           </a:p>
@@ -429,7 +429,7 @@
             <a:fld id="{7C1FBE88-4D9C-4AC3-ABDB-50F4F0E3707E}" type="datetimeFigureOut">
               <a:rPr lang="en-US" smtClean="0"/>
               <a:pPr/>
-              <a:t>7/5/2016</a:t>
+              <a:t>7/15/2016</a:t>
             </a:fld>
             <a:endParaRPr lang="en-IN"/>
           </a:p>
@@ -8735,7 +8735,7 @@
                   <a:schemeClr val="accent6"/>
                 </a:solidFill>
               </a:rPr>
-              <a:t>jsonInput</a:t>
+              <a:t>context</a:t>
             </a:r>
             <a:r>
               <a:rPr lang="en-US" sz="1400" dirty="0" smtClean="0">
@@ -8746,7 +8746,18 @@
                 <a:ea typeface="Tahoma" pitchFamily="34" charset="0"/>
                 <a:cs typeface="Tahoma" pitchFamily="34" charset="0"/>
               </a:rPr>
-              <a:t>) {</a:t>
+              <a:t>) </a:t>
+            </a:r>
+            <a:r>
+              <a:rPr lang="en-US" sz="1400" dirty="0" smtClean="0">
+                <a:solidFill>
+                  <a:schemeClr val="accent6"/>
+                </a:solidFill>
+                <a:latin typeface="Tahoma" pitchFamily="34" charset="0"/>
+                <a:ea typeface="Tahoma" pitchFamily="34" charset="0"/>
+                <a:cs typeface="Tahoma" pitchFamily="34" charset="0"/>
+              </a:rPr>
+              <a:t>{</a:t>
             </a:r>
           </a:p>
           <a:p>
@@ -8850,22 +8861,12 @@
                 <a:solidFill>
                   <a:schemeClr val="accent6"/>
                 </a:solidFill>
-              </a:rPr>
-              <a:t>jsonInput </a:t>
-            </a:r>
-            <a:r>
-              <a:rPr lang="en-US" sz="1400" dirty="0" smtClean="0">
-                <a:solidFill>
-                  <a:schemeClr val="accent6"/>
-                </a:solidFill>
                 <a:latin typeface="Tahoma" pitchFamily="34" charset="0"/>
                 <a:ea typeface="Tahoma" pitchFamily="34" charset="0"/>
                 <a:cs typeface="Tahoma" pitchFamily="34" charset="0"/>
               </a:rPr>
-              <a:t>.getInput().getString(“NumberToCheck”);</a:t>
-            </a:r>
-          </a:p>
-          <a:p>
+              <a:t>new </a:t>
+            </a:r>
             <a:r>
               <a:rPr lang="en-US" sz="1400" dirty="0" smtClean="0">
                 <a:solidFill>
@@ -8875,12 +8876,18 @@
                 <a:ea typeface="Tahoma" pitchFamily="34" charset="0"/>
                 <a:cs typeface="Tahoma" pitchFamily="34" charset="0"/>
               </a:rPr>
-              <a:t>		</a:t>
-            </a:r>
-          </a:p>
-          <a:p>
-            <a:r>
-              <a:rPr lang="en-US" sz="1400" dirty="0" smtClean="0">
+              <a:t>BigInteger(</a:t>
+            </a:r>
+            <a:r>
+              <a:rPr lang="en-US" sz="1400" dirty="0" err="1" smtClean="0">
+                <a:solidFill>
+                  <a:schemeClr val="accent6"/>
+                </a:solidFill>
+              </a:rPr>
+              <a:t>context</a:t>
+            </a:r>
+            <a:r>
+              <a:rPr lang="en-US" sz="1400" dirty="0" err="1" smtClean="0">
                 <a:solidFill>
                   <a:schemeClr val="accent6"/>
                 </a:solidFill>
@@ -8888,10 +8895,8 @@
                 <a:ea typeface="Tahoma" pitchFamily="34" charset="0"/>
                 <a:cs typeface="Tahoma" pitchFamily="34" charset="0"/>
               </a:rPr>
-              <a:t>		// check if number is even number. </a:t>
-            </a:r>
-          </a:p>
-          <a:p>
+              <a:t>.getInput</a:t>
+            </a:r>
             <a:r>
               <a:rPr lang="en-US" sz="1400" dirty="0" smtClean="0">
                 <a:solidFill>
@@ -8901,10 +8906,8 @@
                 <a:ea typeface="Tahoma" pitchFamily="34" charset="0"/>
                 <a:cs typeface="Tahoma" pitchFamily="34" charset="0"/>
               </a:rPr>
-              <a:t>		// If number &gt;2 and divisible by 2, then number is not Prime, return false immediately</a:t>
-            </a:r>
-          </a:p>
-          <a:p>
+              <a:t>().getString(“NumberToCheck</a:t>
+            </a:r>
             <a:r>
               <a:rPr lang="en-US" sz="1400" dirty="0" smtClean="0">
                 <a:solidFill>
@@ -8914,10 +8917,8 @@
                 <a:ea typeface="Tahoma" pitchFamily="34" charset="0"/>
                 <a:cs typeface="Tahoma" pitchFamily="34" charset="0"/>
               </a:rPr>
-              <a:t>		…</a:t>
-            </a:r>
-          </a:p>
-          <a:p>
+              <a:t>”));</a:t>
+            </a:r>
             <a:endParaRPr lang="en-US" sz="1400" dirty="0" smtClean="0">
               <a:solidFill>
                 <a:schemeClr val="accent6"/>
@@ -8937,7 +8938,7 @@
                 <a:ea typeface="Tahoma" pitchFamily="34" charset="0"/>
                 <a:cs typeface="Tahoma" pitchFamily="34" charset="0"/>
               </a:rPr>
-              <a:t>		// Obtain square root of number</a:t>
+              <a:t>		</a:t>
             </a:r>
           </a:p>
           <a:p>
@@ -8950,7 +8951,7 @@
                 <a:ea typeface="Tahoma" pitchFamily="34" charset="0"/>
                 <a:cs typeface="Tahoma" pitchFamily="34" charset="0"/>
               </a:rPr>
-              <a:t>		BigInteger sqrtof = sqrt(number);</a:t>
+              <a:t>		// check if number is even number. </a:t>
             </a:r>
           </a:p>
           <a:p>
@@ -8963,7 +8964,7 @@
                 <a:ea typeface="Tahoma" pitchFamily="34" charset="0"/>
                 <a:cs typeface="Tahoma" pitchFamily="34" charset="0"/>
               </a:rPr>
-              <a:t>		</a:t>
+              <a:t>		// If number &gt;2 and divisible by 2, then number is not Prime, return false immediately</a:t>
             </a:r>
           </a:p>
           <a:p>
@@ -8976,8 +8977,18 @@
                 <a:ea typeface="Tahoma" pitchFamily="34" charset="0"/>
                 <a:cs typeface="Tahoma" pitchFamily="34" charset="0"/>
               </a:rPr>
-              <a:t>		// calculate chunk size = sqrt(number) / totalUnits</a:t>
-            </a:r>
+              <a:t>		…</a:t>
+            </a:r>
+          </a:p>
+          <a:p>
+            <a:endParaRPr lang="en-US" sz="1400" dirty="0" smtClean="0">
+              <a:solidFill>
+                <a:schemeClr val="accent6"/>
+              </a:solidFill>
+              <a:latin typeface="Tahoma" pitchFamily="34" charset="0"/>
+              <a:ea typeface="Tahoma" pitchFamily="34" charset="0"/>
+              <a:cs typeface="Tahoma" pitchFamily="34" charset="0"/>
+            </a:endParaRPr>
           </a:p>
           <a:p>
             <a:r>
@@ -8989,7 +9000,7 @@
                 <a:ea typeface="Tahoma" pitchFamily="34" charset="0"/>
                 <a:cs typeface="Tahoma" pitchFamily="34" charset="0"/>
               </a:rPr>
-              <a:t>		BigInteger chunkSize = …; </a:t>
+              <a:t>		// Obtain square root of number</a:t>
             </a:r>
           </a:p>
           <a:p>
@@ -9002,7 +9013,7 @@
                 <a:ea typeface="Tahoma" pitchFamily="34" charset="0"/>
                 <a:cs typeface="Tahoma" pitchFamily="34" charset="0"/>
               </a:rPr>
-              <a:t>		</a:t>
+              <a:t>		BigInteger sqrtof = sqrt(number);</a:t>
             </a:r>
           </a:p>
           <a:p>
@@ -9015,7 +9026,7 @@
                 <a:ea typeface="Tahoma" pitchFamily="34" charset="0"/>
                 <a:cs typeface="Tahoma" pitchFamily="34" charset="0"/>
               </a:rPr>
-              <a:t>		// calculate starting number for division, start = (thisUnit – 1) * chunk size + 1</a:t>
+              <a:t>		</a:t>
             </a:r>
           </a:p>
           <a:p>
@@ -9028,10 +9039,8 @@
                 <a:ea typeface="Tahoma" pitchFamily="34" charset="0"/>
                 <a:cs typeface="Tahoma" pitchFamily="34" charset="0"/>
               </a:rPr>
-              <a:t>		// make start as odd number &gt; 1 if not already</a:t>
-            </a:r>
-          </a:p>
-          <a:p>
+              <a:t>		// calculate </a:t>
+            </a:r>
             <a:r>
               <a:rPr lang="en-US" sz="1400" dirty="0" smtClean="0">
                 <a:solidFill>
@@ -9041,10 +9050,8 @@
                 <a:ea typeface="Tahoma" pitchFamily="34" charset="0"/>
                 <a:cs typeface="Tahoma" pitchFamily="34" charset="0"/>
               </a:rPr>
-              <a:t>		BigInteger start = …;</a:t>
-            </a:r>
-          </a:p>
-          <a:p>
+              <a:t>chunkSize </a:t>
+            </a:r>
             <a:r>
               <a:rPr lang="en-US" sz="1400" dirty="0" smtClean="0">
                 <a:solidFill>
@@ -9054,7 +9061,7 @@
                 <a:ea typeface="Tahoma" pitchFamily="34" charset="0"/>
                 <a:cs typeface="Tahoma" pitchFamily="34" charset="0"/>
               </a:rPr>
-              <a:t>		</a:t>
+              <a:t>= sqrt(number) / totalUnits</a:t>
             </a:r>
           </a:p>
           <a:p>
@@ -9067,8 +9074,127 @@
                 <a:ea typeface="Tahoma" pitchFamily="34" charset="0"/>
                 <a:cs typeface="Tahoma" pitchFamily="34" charset="0"/>
               </a:rPr>
-              <a:t>		// calculate ending number for division, end = thisUnit * chunk size</a:t>
-            </a:r>
+              <a:t>		BigInteger chunkSize = …; </a:t>
+            </a:r>
+          </a:p>
+          <a:p>
+            <a:r>
+              <a:rPr lang="en-US" sz="1400" dirty="0" smtClean="0">
+                <a:solidFill>
+                  <a:schemeClr val="accent6"/>
+                </a:solidFill>
+                <a:latin typeface="Tahoma" pitchFamily="34" charset="0"/>
+                <a:ea typeface="Tahoma" pitchFamily="34" charset="0"/>
+                <a:cs typeface="Tahoma" pitchFamily="34" charset="0"/>
+              </a:rPr>
+              <a:t>		</a:t>
+            </a:r>
+          </a:p>
+          <a:p>
+            <a:r>
+              <a:rPr lang="en-US" sz="1400" dirty="0" smtClean="0">
+                <a:solidFill>
+                  <a:schemeClr val="accent6"/>
+                </a:solidFill>
+                <a:latin typeface="Tahoma" pitchFamily="34" charset="0"/>
+                <a:ea typeface="Tahoma" pitchFamily="34" charset="0"/>
+                <a:cs typeface="Tahoma" pitchFamily="34" charset="0"/>
+              </a:rPr>
+              <a:t>		// calculate starting number for division, start = (thisUnit – 1) * </a:t>
+            </a:r>
+            <a:r>
+              <a:rPr lang="en-US" sz="1400" dirty="0" smtClean="0">
+                <a:solidFill>
+                  <a:schemeClr val="accent6"/>
+                </a:solidFill>
+                <a:latin typeface="Tahoma" pitchFamily="34" charset="0"/>
+                <a:ea typeface="Tahoma" pitchFamily="34" charset="0"/>
+                <a:cs typeface="Tahoma" pitchFamily="34" charset="0"/>
+              </a:rPr>
+              <a:t>chunkSize </a:t>
+            </a:r>
+            <a:r>
+              <a:rPr lang="en-US" sz="1400" dirty="0" smtClean="0">
+                <a:solidFill>
+                  <a:schemeClr val="accent6"/>
+                </a:solidFill>
+                <a:latin typeface="Tahoma" pitchFamily="34" charset="0"/>
+                <a:ea typeface="Tahoma" pitchFamily="34" charset="0"/>
+                <a:cs typeface="Tahoma" pitchFamily="34" charset="0"/>
+              </a:rPr>
+              <a:t>+ 1</a:t>
+            </a:r>
+          </a:p>
+          <a:p>
+            <a:r>
+              <a:rPr lang="en-US" sz="1400" dirty="0" smtClean="0">
+                <a:solidFill>
+                  <a:schemeClr val="accent6"/>
+                </a:solidFill>
+                <a:latin typeface="Tahoma" pitchFamily="34" charset="0"/>
+                <a:ea typeface="Tahoma" pitchFamily="34" charset="0"/>
+                <a:cs typeface="Tahoma" pitchFamily="34" charset="0"/>
+              </a:rPr>
+              <a:t>		// make start as odd number &gt; 1 if not already</a:t>
+            </a:r>
+          </a:p>
+          <a:p>
+            <a:r>
+              <a:rPr lang="en-US" sz="1400" dirty="0" smtClean="0">
+                <a:solidFill>
+                  <a:schemeClr val="accent6"/>
+                </a:solidFill>
+                <a:latin typeface="Tahoma" pitchFamily="34" charset="0"/>
+                <a:ea typeface="Tahoma" pitchFamily="34" charset="0"/>
+                <a:cs typeface="Tahoma" pitchFamily="34" charset="0"/>
+              </a:rPr>
+              <a:t>		BigInteger start = …;</a:t>
+            </a:r>
+          </a:p>
+          <a:p>
+            <a:r>
+              <a:rPr lang="en-US" sz="1400" dirty="0" smtClean="0">
+                <a:solidFill>
+                  <a:schemeClr val="accent6"/>
+                </a:solidFill>
+                <a:latin typeface="Tahoma" pitchFamily="34" charset="0"/>
+                <a:ea typeface="Tahoma" pitchFamily="34" charset="0"/>
+                <a:cs typeface="Tahoma" pitchFamily="34" charset="0"/>
+              </a:rPr>
+              <a:t>		</a:t>
+            </a:r>
+          </a:p>
+          <a:p>
+            <a:r>
+              <a:rPr lang="en-US" sz="1400" dirty="0" smtClean="0">
+                <a:solidFill>
+                  <a:schemeClr val="accent6"/>
+                </a:solidFill>
+                <a:latin typeface="Tahoma" pitchFamily="34" charset="0"/>
+                <a:ea typeface="Tahoma" pitchFamily="34" charset="0"/>
+                <a:cs typeface="Tahoma" pitchFamily="34" charset="0"/>
+              </a:rPr>
+              <a:t>		// calculate ending number for division, end = thisUnit * </a:t>
+            </a:r>
+            <a:r>
+              <a:rPr lang="en-US" sz="1400" dirty="0" smtClean="0">
+                <a:solidFill>
+                  <a:schemeClr val="accent6"/>
+                </a:solidFill>
+                <a:latin typeface="Tahoma" pitchFamily="34" charset="0"/>
+                <a:ea typeface="Tahoma" pitchFamily="34" charset="0"/>
+                <a:cs typeface="Tahoma" pitchFamily="34" charset="0"/>
+              </a:rPr>
+              <a:t>chunkSize</a:t>
+            </a:r>
+            <a:endParaRPr lang="en-US" sz="1400" dirty="0" smtClean="0">
+              <a:solidFill>
+                <a:schemeClr val="accent6"/>
+              </a:solidFill>
+              <a:latin typeface="Tahoma" pitchFamily="34" charset="0"/>
+              <a:ea typeface="Tahoma" pitchFamily="34" charset="0"/>
+              <a:cs typeface="Tahoma" pitchFamily="34" charset="0"/>
+            </a:endParaRPr>
           </a:p>
           <a:p>
             <a:r>
@@ -13570,7 +13696,29 @@
                           <a:ea typeface="Tahoma" pitchFamily="34" charset="0"/>
                           <a:cs typeface="Tahoma" pitchFamily="34" charset="0"/>
                         </a:rPr>
-                        <a:t>DCompute c2 = DCompute(meta);</a:t>
+                        <a:t>DCompute c2 = </a:t>
+                      </a:r>
+                      <a:r>
+                        <a:rPr lang="en-US" dirty="0" err="1" smtClean="0">
+                          <a:solidFill>
+                            <a:schemeClr val="accent6"/>
+                          </a:solidFill>
+                          <a:latin typeface="+mn-lt"/>
+                          <a:ea typeface="Tahoma" pitchFamily="34" charset="0"/>
+                          <a:cs typeface="Tahoma" pitchFamily="34" charset="0"/>
+                        </a:rPr>
+                        <a:t>DCompute</a:t>
+                      </a:r>
+                      <a:r>
+                        <a:rPr lang="en-US" dirty="0" smtClean="0">
+                          <a:solidFill>
+                            <a:schemeClr val="accent6"/>
+                          </a:solidFill>
+                          <a:latin typeface="+mn-lt"/>
+                          <a:ea typeface="Tahoma" pitchFamily="34" charset="0"/>
+                          <a:cs typeface="Tahoma" pitchFamily="34" charset="0"/>
+                        </a:rPr>
+                        <a:t>(meta2);</a:t>
                       </a:r>
                       <a:r>
                         <a:rPr lang="en-US" sz="1800" b="1" dirty="0" smtClean="0">
@@ -13651,8 +13799,27 @@
                           <a:ea typeface="+mn-ea"/>
                           <a:cs typeface="+mn-cs"/>
                         </a:rPr>
-                        <a:t>()).split(1).output(out);</a:t>
+                        <a:t>()).split(1).</a:t>
                       </a:r>
+                      <a:r>
+                        <a:rPr lang="en-US" sz="1800" b="1" dirty="0" smtClean="0">
+                          <a:solidFill>
+                            <a:schemeClr val="accent6"/>
+                          </a:solidFill>
+                          <a:latin typeface="+mn-lt"/>
+                          <a:ea typeface="+mn-ea"/>
+                          <a:cs typeface="+mn-cs"/>
+                        </a:rPr>
+                        <a:t>output(out2);</a:t>
+                      </a:r>
+                      <a:endParaRPr lang="en-US" sz="1800" b="1" dirty="0" smtClean="0">
+                        <a:solidFill>
+                          <a:schemeClr val="accent6"/>
+                        </a:solidFill>
+                        <a:latin typeface="+mn-lt"/>
+                        <a:ea typeface="+mn-ea"/>
+                        <a:cs typeface="+mn-cs"/>
+                      </a:endParaRPr>
                     </a:p>
                     <a:p>
                       <a:r>
@@ -14178,7 +14345,29 @@
                           <a:ea typeface="Tahoma" pitchFamily="34" charset="0"/>
                           <a:cs typeface="Tahoma" pitchFamily="34" charset="0"/>
                         </a:rPr>
-                        <a:t>DCompute c2 = DCompute(meta);</a:t>
+                        <a:t>DCompute c2 = </a:t>
+                      </a:r>
+                      <a:r>
+                        <a:rPr lang="en-US" dirty="0" err="1" smtClean="0">
+                          <a:solidFill>
+                            <a:schemeClr val="accent6"/>
+                          </a:solidFill>
+                          <a:latin typeface="+mn-lt"/>
+                          <a:ea typeface="Tahoma" pitchFamily="34" charset="0"/>
+                          <a:cs typeface="Tahoma" pitchFamily="34" charset="0"/>
+                        </a:rPr>
+                        <a:t>DCompute</a:t>
+                      </a:r>
+                      <a:r>
+                        <a:rPr lang="en-US" dirty="0" smtClean="0">
+                          <a:solidFill>
+                            <a:schemeClr val="accent6"/>
+                          </a:solidFill>
+                          <a:latin typeface="+mn-lt"/>
+                          <a:ea typeface="Tahoma" pitchFamily="34" charset="0"/>
+                          <a:cs typeface="Tahoma" pitchFamily="34" charset="0"/>
+                        </a:rPr>
+                        <a:t>(meta2);</a:t>
                       </a:r>
                       <a:endParaRPr lang="en-US" sz="1800" b="1" dirty="0" smtClean="0">
                         <a:solidFill>
@@ -14295,8 +14484,27 @@
                           <a:ea typeface="+mn-ea"/>
                           <a:cs typeface="+mn-cs"/>
                         </a:rPr>
-                        <a:t>()).split(1).output(out);</a:t>
+                        <a:t>()).split(1).</a:t>
                       </a:r>
+                      <a:r>
+                        <a:rPr lang="en-US" sz="1800" b="1" dirty="0" smtClean="0">
+                          <a:solidFill>
+                            <a:schemeClr val="accent6"/>
+                          </a:solidFill>
+                          <a:latin typeface="+mn-lt"/>
+                          <a:ea typeface="+mn-ea"/>
+                          <a:cs typeface="+mn-cs"/>
+                        </a:rPr>
+                        <a:t>output(out2);</a:t>
+                      </a:r>
+                      <a:endParaRPr lang="en-US" sz="1800" b="1" dirty="0" smtClean="0">
+                        <a:solidFill>
+                          <a:schemeClr val="accent6"/>
+                        </a:solidFill>
+                        <a:latin typeface="+mn-lt"/>
+                        <a:ea typeface="+mn-ea"/>
+                        <a:cs typeface="+mn-cs"/>
+                      </a:endParaRPr>
                     </a:p>
                     <a:p>
                       <a:r>
@@ -14684,29 +14892,19 @@
               <a:rPr lang="en-IN" dirty="0" smtClean="0"/>
               <a:t>Compute Units are just like any other Java program. We need to include the jar files in the </a:t>
             </a:r>
-            <a:endParaRPr lang="en-IN" dirty="0" smtClean="0"/>
           </a:p>
           <a:p>
             <a:pPr algn="just"/>
             <a:r>
               <a:rPr lang="en-IN" dirty="0" smtClean="0"/>
-              <a:t>program </a:t>
-            </a:r>
+              <a:t>program to start using the API of specific storage systems (like Amazon S3, Google Cloud </a:t>
+            </a:r>
+          </a:p>
+          <a:p>
+            <a:pPr algn="just"/>
             <a:r>
               <a:rPr lang="en-IN" dirty="0" smtClean="0"/>
-              <a:t>to start using the API of specific storage systems (like Amazon S3, Google Cloud </a:t>
-            </a:r>
-            <a:endParaRPr lang="en-IN" dirty="0" smtClean="0"/>
-          </a:p>
-          <a:p>
-            <a:pPr algn="just"/>
-            <a:r>
-              <a:rPr lang="en-IN" dirty="0" smtClean="0"/>
-              <a:t>Storage</a:t>
-            </a:r>
-            <a:r>
-              <a:rPr lang="en-IN" dirty="0" smtClean="0"/>
-              <a:t>), other file systems, databases (JDBC, Oracle, DB2, Cassandra, </a:t>
+              <a:t>Storage), other file systems, databases (JDBC, Oracle, DB2, Cassandra, </a:t>
             </a:r>
             <a:r>
               <a:rPr lang="en-IN" dirty="0" err="1" smtClean="0"/>
@@ -14714,11 +14912,23 @@
             </a:r>
             <a:r>
               <a:rPr lang="en-IN" dirty="0" smtClean="0"/>
+              <a:t>, </a:t>
+            </a:r>
+            <a:r>
+              <a:rPr lang="en-IN" dirty="0" err="1" smtClean="0"/>
+              <a:t>Redis</a:t>
+            </a:r>
+            <a:r>
+              <a:rPr lang="en-IN" dirty="0" smtClean="0"/>
               <a:t>, etc</a:t>
             </a:r>
             <a:r>
               <a:rPr lang="en-IN" dirty="0" smtClean="0"/>
-              <a:t>.), other third-party Java libraries, Java Machine Learning libraries (J48, </a:t>
+              <a:t>.), other third-party Java libraries, Java Machine Learning libraries (</a:t>
+            </a:r>
+            <a:r>
+              <a:rPr lang="en-IN" dirty="0" smtClean="0"/>
+              <a:t>J48/C4.5/C5, </a:t>
             </a:r>
             <a:r>
               <a:rPr lang="en-IN" dirty="0" err="1" smtClean="0"/>
@@ -14745,19 +14955,7 @@
             <a:pPr algn="just"/>
             <a:r>
               <a:rPr lang="en-IN" dirty="0" smtClean="0"/>
-              <a:t>To access </a:t>
-            </a:r>
-            <a:r>
-              <a:rPr lang="en-IN" dirty="0" smtClean="0"/>
-              <a:t>these </a:t>
-            </a:r>
-            <a:r>
-              <a:rPr lang="en-IN" dirty="0" smtClean="0"/>
-              <a:t>systems or other Java libraries </a:t>
-            </a:r>
-            <a:r>
-              <a:rPr lang="en-IN" dirty="0" smtClean="0"/>
-              <a:t>from inside a compute Unit, add the jar files using the .</a:t>
+              <a:t>To access these systems or other Java libraries from inside a compute Unit, add the jar files using the .</a:t>
             </a:r>
             <a:r>
               <a:rPr lang="en-IN" dirty="0" err="1" smtClean="0"/>
@@ -14765,15 +14963,7 @@
             </a:r>
             <a:r>
               <a:rPr lang="en-IN" dirty="0" smtClean="0"/>
-              <a:t>() </a:t>
-            </a:r>
-            <a:r>
-              <a:rPr lang="en-IN" dirty="0" smtClean="0"/>
-              <a:t>method before </a:t>
-            </a:r>
-            <a:r>
-              <a:rPr lang="en-IN" dirty="0" smtClean="0"/>
-              <a:t>submitting the Compute Units for execution using the .perform() method in </a:t>
+              <a:t>() method before submitting the Compute Units for execution using the .perform() method in </a:t>
             </a:r>
             <a:r>
               <a:rPr lang="en-IN" dirty="0" err="1" smtClean="0"/>
@@ -14820,11 +15010,7 @@
             </a:r>
             <a:r>
               <a:rPr lang="en-IN" dirty="0" smtClean="0"/>
-              <a:t>-1 or </a:t>
-            </a:r>
-            <a:r>
-              <a:rPr lang="en-IN" dirty="0" smtClean="0"/>
-              <a:t>9223372036854775807) </a:t>
+              <a:t>-1 or 9223372036854775807) </a:t>
             </a:r>
             <a:r>
               <a:rPr lang="en-US" dirty="0" smtClean="0"/>
@@ -14844,7 +15030,19 @@
             </a:r>
             <a:r>
               <a:rPr lang="en-US" dirty="0" smtClean="0"/>
-              <a:t> input like </a:t>
+              <a:t> input </a:t>
+            </a:r>
+            <a:r>
+              <a:rPr lang="en-US" dirty="0" smtClean="0"/>
+              <a:t>(passed in .input() method of </a:t>
+            </a:r>
+            <a:r>
+              <a:rPr lang="en-US" dirty="0" err="1" smtClean="0"/>
+              <a:t>DCompute</a:t>
+            </a:r>
+            <a:r>
+              <a:rPr lang="en-US" dirty="0" smtClean="0"/>
+              <a:t>) like “</a:t>
             </a:r>
             <a:r>
               <a:rPr lang="en-US" dirty="0" err="1" smtClean="0"/>
@@ -14852,7 +15050,15 @@
             </a:r>
             <a:r>
               <a:rPr lang="en-US" dirty="0" smtClean="0"/>
-              <a:t> and </a:t>
+              <a:t>” </a:t>
+            </a:r>
+            <a:r>
+              <a:rPr lang="en-US" dirty="0" smtClean="0"/>
+              <a:t>and </a:t>
+            </a:r>
+            <a:r>
+              <a:rPr lang="en-US" dirty="0" smtClean="0"/>
+              <a:t>“</a:t>
             </a:r>
             <a:r>
               <a:rPr lang="en-US" dirty="0" err="1" smtClean="0"/>
@@ -14860,7 +15066,11 @@
             </a:r>
             <a:r>
               <a:rPr lang="en-US" dirty="0" smtClean="0"/>
-              <a:t>, theoretically infinite number of splits can be created and handled in the System, limited only by the hardware and memory used in the System.</a:t>
+              <a:t>”, </a:t>
+            </a:r>
+            <a:r>
+              <a:rPr lang="en-US" dirty="0" smtClean="0"/>
+              <a:t>theoretically infinite number of splits can be created and handled in the System, limited only by the hardware and memory used in the System.</a:t>
             </a:r>
             <a:endParaRPr lang="en-IN" dirty="0" smtClean="0"/>
           </a:p>
@@ -15399,23 +15609,7 @@
                             <a:schemeClr val="accent6"/>
                           </a:solidFill>
                         </a:rPr>
-                        <a:t>c.executeObject(cu).split(1000000).</a:t>
-                      </a:r>
-                      <a:r>
-                        <a:rPr lang="en-US" dirty="0" err="1" smtClean="0">
-                          <a:solidFill>
-                            <a:schemeClr val="accent6"/>
-                          </a:solidFill>
-                        </a:rPr>
-                        <a:t>splitRange</a:t>
-                      </a:r>
-                      <a:r>
-                        <a:rPr lang="en-US" dirty="0" smtClean="0">
-                          <a:solidFill>
-                            <a:schemeClr val="accent6"/>
-                          </a:solidFill>
-                        </a:rPr>
-                        <a:t>(1,</a:t>
+                        <a:t>c.executeObject(cu).split(1000000).splitRange(1,</a:t>
                       </a:r>
                       <a:r>
                         <a:rPr lang="en-US" baseline="0" dirty="0" smtClean="0">
@@ -18915,7 +19109,7 @@
         <p:spPr>
           <a:xfrm>
             <a:off x="253966" y="614257"/>
-            <a:ext cx="9501254" cy="5909310"/>
+            <a:ext cx="9501254" cy="6186309"/>
           </a:xfrm>
           <a:prstGeom prst="rect">
             <a:avLst/>
@@ -19095,33 +19289,7 @@
                   </a:solidFill>
                 </a:uFill>
               </a:rPr>
-              <a:t>Scabi provides single, unified and uniform namespace for various types </a:t>
-            </a:r>
-            <a:r>
-              <a:rPr lang="en-US" spc="-1" smtClean="0">
-                <a:solidFill>
-                  <a:srgbClr val="000000"/>
-                </a:solidFill>
-                <a:uFill>
-                  <a:solidFill>
-                    <a:srgbClr val="FFFFFF"/>
-                  </a:solidFill>
-                </a:uFill>
-              </a:rPr>
-              <a:t>of User data: files</a:t>
-            </a:r>
-            <a:r>
-              <a:rPr lang="en-US" spc="-1" dirty="0" smtClean="0">
-                <a:solidFill>
-                  <a:srgbClr val="000000"/>
-                </a:solidFill>
-                <a:uFill>
-                  <a:solidFill>
-                    <a:srgbClr val="FFFFFF"/>
-                  </a:solidFill>
-                </a:uFill>
-              </a:rPr>
-              <a:t>, tables, unstructured document data (Collections), properties and Java files (.class, .jar, .</a:t>
+              <a:t>Scabi provides single, unified and uniform namespace for various types of User data: files, tables, unstructured document data (Collections), properties and Java files (.class, .jar, .</a:t>
             </a:r>
             <a:r>
               <a:rPr lang="en-US" spc="-1" dirty="0" err="1" smtClean="0">
@@ -19202,7 +19370,33 @@
                   </a:solidFill>
                 </a:uFill>
               </a:rPr>
-              <a:t> Namespace for User files, App-specific tables, </a:t>
+              <a:t> Namespace for User files, </a:t>
+            </a:r>
+            <a:r>
+              <a:rPr lang="en-IN" spc="-1" dirty="0" smtClean="0">
+                <a:solidFill>
+                  <a:srgbClr val="000000"/>
+                </a:solidFill>
+                <a:uFill>
+                  <a:solidFill>
+                    <a:srgbClr val="FFFFFF"/>
+                  </a:solidFill>
+                </a:uFill>
+              </a:rPr>
+              <a:t>User App-specific </a:t>
+            </a:r>
+            <a:r>
+              <a:rPr lang="en-IN" spc="-1" dirty="0" smtClean="0">
+                <a:solidFill>
+                  <a:srgbClr val="000000"/>
+                </a:solidFill>
+                <a:uFill>
+                  <a:solidFill>
+                    <a:srgbClr val="FFFFFF"/>
+                  </a:solidFill>
+                </a:uFill>
+              </a:rPr>
+              <a:t>tables, </a:t>
             </a:r>
             <a:r>
               <a:rPr lang="en-US" spc="-1" dirty="0" smtClean="0">
@@ -30595,7 +30789,7 @@
         <p:spPr>
           <a:xfrm>
             <a:off x="182528" y="493689"/>
-            <a:ext cx="9358378" cy="4247317"/>
+            <a:ext cx="9358378" cy="5078313"/>
           </a:xfrm>
           <a:prstGeom prst="rect">
             <a:avLst/>
@@ -30630,7 +30824,62 @@
             </a:r>
             <a:r>
               <a:rPr lang="en-IN" dirty="0" smtClean="0"/>
-              <a:t>, etc.). To access these systems from inside a compute Unit, add the jar files using the .</a:t>
+              <a:t>, </a:t>
+            </a:r>
+            <a:r>
+              <a:rPr lang="en-IN" dirty="0" err="1" smtClean="0"/>
+              <a:t>Redis</a:t>
+            </a:r>
+            <a:r>
+              <a:rPr lang="en-IN" dirty="0" smtClean="0"/>
+              <a:t>, etc</a:t>
+            </a:r>
+            <a:r>
+              <a:rPr lang="en-IN" dirty="0" smtClean="0"/>
+              <a:t>.), </a:t>
+            </a:r>
+            <a:r>
+              <a:rPr lang="en-IN" dirty="0" smtClean="0"/>
+              <a:t>other third-party Java libraries, Java Machine Learning libraries (</a:t>
+            </a:r>
+            <a:r>
+              <a:rPr lang="en-IN" dirty="0" smtClean="0"/>
+              <a:t>J48/C4.5/C5, </a:t>
+            </a:r>
+            <a:r>
+              <a:rPr lang="en-IN" dirty="0" err="1" smtClean="0"/>
+              <a:t>JavaBayes</a:t>
+            </a:r>
+            <a:r>
+              <a:rPr lang="en-IN" dirty="0" smtClean="0"/>
+              <a:t>, </a:t>
+            </a:r>
+            <a:r>
+              <a:rPr lang="en-IN" dirty="0" err="1" smtClean="0"/>
+              <a:t>Weka</a:t>
+            </a:r>
+            <a:r>
+              <a:rPr lang="en-IN" dirty="0" smtClean="0"/>
+              <a:t>, etc.), other Java external libraries</a:t>
+            </a:r>
+            <a:r>
+              <a:rPr lang="en-IN" dirty="0" smtClean="0"/>
+              <a:t>. </a:t>
+            </a:r>
+          </a:p>
+          <a:p>
+            <a:pPr algn="just"/>
+            <a:endParaRPr lang="en-IN" dirty="0" smtClean="0"/>
+          </a:p>
+          <a:p>
+            <a:pPr algn="just"/>
+            <a:r>
+              <a:rPr lang="en-IN" dirty="0" smtClean="0"/>
+              <a:t>To </a:t>
+            </a:r>
+            <a:r>
+              <a:rPr lang="en-IN" dirty="0" smtClean="0"/>
+              <a:t>access these systems from inside a compute Unit, add the jar files using the .</a:t>
             </a:r>
             <a:r>
               <a:rPr lang="en-IN" dirty="0" err="1" smtClean="0"/>
@@ -31768,7 +32017,7 @@
         <p:spPr>
           <a:xfrm>
             <a:off x="182528" y="647856"/>
-            <a:ext cx="9144064" cy="6186309"/>
+            <a:ext cx="9144064" cy="6463308"/>
           </a:xfrm>
           <a:prstGeom prst="rect">
             <a:avLst/>
@@ -31807,7 +32056,23 @@
             </a:r>
             <a:r>
               <a:rPr lang="en-US" dirty="0" smtClean="0"/>
-              <a:t> scale after factoring in maintenance costs, etc. For example, compared with Amazon AWS, EBS with PIOPS and S3 are relatively cost effective over huge number of DAS storage devices physically attached to each node over tens of thousands of nodes for storing </a:t>
+              <a:t> scale after factoring in maintenance costs, </a:t>
+            </a:r>
+            <a:r>
+              <a:rPr lang="en-US" dirty="0" smtClean="0"/>
+              <a:t>backup of previous months </a:t>
+            </a:r>
+            <a:r>
+              <a:rPr lang="en-US" dirty="0" err="1" smtClean="0"/>
+              <a:t>Peta</a:t>
+            </a:r>
+            <a:r>
+              <a:rPr lang="en-US" dirty="0" smtClean="0"/>
+              <a:t>-scale data sets, hardware upgrade cycle, etc</a:t>
+            </a:r>
+            <a:r>
+              <a:rPr lang="en-US" dirty="0" smtClean="0"/>
+              <a:t>. For example, compared with Amazon AWS, EBS with PIOPS and S3 are relatively cost effective over huge number of DAS storage devices physically attached to each node over tens of thousands of nodes for storing </a:t>
             </a:r>
             <a:r>
               <a:rPr lang="en-US" dirty="0" err="1" smtClean="0"/>
@@ -36432,7 +36697,7 @@
         <p:spPr>
           <a:xfrm>
             <a:off x="182528" y="422251"/>
-            <a:ext cx="9215502" cy="7017306"/>
+            <a:ext cx="9215502" cy="7294305"/>
           </a:xfrm>
           <a:prstGeom prst="rect">
             <a:avLst/>
@@ -36599,7 +36864,15 @@
           <a:p>
             <a:r>
               <a:rPr lang="en-US" dirty="0" smtClean="0"/>
-              <a:t>      To start Compute Servers in other machines, enter command as below,</a:t>
+              <a:t>      To start Compute Servers in other </a:t>
+            </a:r>
+            <a:r>
+              <a:rPr lang="en-US" dirty="0" smtClean="0"/>
+              <a:t>machines and ports, </a:t>
+            </a:r>
+            <a:r>
+              <a:rPr lang="en-US" dirty="0" smtClean="0"/>
+              <a:t>enter command as below,</a:t>
             </a:r>
           </a:p>
           <a:p>
@@ -41660,7 +41933,7 @@
                   </a:solidFill>
                 </a:uFill>
               </a:rPr>
-              <a:t>json</a:t>
+              <a:t>Json</a:t>
             </a:r>
             <a:r>
               <a:rPr lang="en-IN" spc="-1" dirty="0" smtClean="0">
@@ -41673,7 +41946,7 @@
                   </a:solidFill>
                 </a:uFill>
               </a:rPr>
-              <a:t> API</a:t>
+              <a:t> API 2.7.4</a:t>
             </a:r>
             <a:endParaRPr lang="en-IN" dirty="0" smtClean="0"/>
           </a:p>
@@ -42708,7 +42981,7 @@
                   </a:solidFill>
                 </a:uFill>
               </a:rPr>
-              <a:t>json</a:t>
+              <a:t>Json</a:t>
             </a:r>
             <a:r>
               <a:rPr lang="en-IN" spc="-1" dirty="0" smtClean="0">
@@ -42721,7 +42994,7 @@
                   </a:solidFill>
                 </a:uFill>
               </a:rPr>
-              <a:t> API</a:t>
+              <a:t> API 2.7.4</a:t>
             </a:r>
             <a:endParaRPr/>
           </a:p>
@@ -43120,11 +43393,7 @@
             </a:r>
             <a:r>
               <a:rPr lang="en-IN" dirty="0" smtClean="0"/>
-              <a:t> class </a:t>
-            </a:r>
-            <a:r>
-              <a:rPr lang="en-IN" dirty="0" smtClean="0"/>
-              <a:t>which internally uses asynchronous non-blocking network I/O and can submit very large number of split jobs / Compute Units</a:t>
+              <a:t> class which internally uses asynchronous non-blocking network I/O and can submit very large number of split jobs / Compute Units</a:t>
             </a:r>
           </a:p>
           <a:p>
@@ -43868,11 +44137,7 @@
             </a:r>
             <a:r>
               <a:rPr lang="en-IN" dirty="0" smtClean="0"/>
-              <a:t> </a:t>
-            </a:r>
-            <a:r>
-              <a:rPr lang="en-IN" dirty="0" smtClean="0"/>
-              <a:t>class which internally uses synchronous blocking network I/O and can submit large number of split jobs / Compute Units</a:t>
+              <a:t> class which internally uses synchronous blocking network I/O and can submit large number of split jobs / Compute Units</a:t>
             </a:r>
           </a:p>
           <a:p>
@@ -49604,7 +49869,33 @@
                   </a:solidFill>
                 </a:uFill>
               </a:rPr>
-              <a:t>for various types of data: User files, tables, unstructured document data, properties and Java files (.class, .jar, .</a:t>
+              <a:t>for various types of </a:t>
+            </a:r>
+            <a:r>
+              <a:rPr lang="en-US" spc="-1" dirty="0" smtClean="0">
+                <a:solidFill>
+                  <a:srgbClr val="000000"/>
+                </a:solidFill>
+                <a:uFill>
+                  <a:solidFill>
+                    <a:srgbClr val="FFFFFF"/>
+                  </a:solidFill>
+                </a:uFill>
+              </a:rPr>
+              <a:t>User data</a:t>
+            </a:r>
+            <a:r>
+              <a:rPr lang="en-US" spc="-1" dirty="0" smtClean="0">
+                <a:solidFill>
+                  <a:srgbClr val="000000"/>
+                </a:solidFill>
+                <a:uFill>
+                  <a:solidFill>
+                    <a:srgbClr val="FFFFFF"/>
+                  </a:solidFill>
+                </a:uFill>
+              </a:rPr>
+              <a:t>: User files, tables, unstructured document data, properties and Java files (.class, .jar, .</a:t>
             </a:r>
             <a:r>
               <a:rPr lang="en-US" spc="-1" dirty="0" err="1" smtClean="0">
